--- a/EXTRA_EXERCISES/exercise-.pptx
+++ b/EXTRA_EXERCISES/exercise-.pptx
@@ -106,6 +106,11 @@
       </a:defRPr>
     </a:lvl9pPr>
   </p:defaultTextStyle>
+  <p:extLst>
+    <p:ext uri="{EFAFB233-063F-42B5-8137-9DF3F51BA10A}">
+      <p15:sldGuideLst xmlns:p15="http://schemas.microsoft.com/office/powerpoint/2012/main"/>
+    </p:ext>
+  </p:extLst>
 </p:presentation>
 </file>
 
@@ -240,7 +245,7 @@
           <a:p>
             <a:fld id="{03FEAA84-36EB-46DC-B83A-BE55F7C12745}" type="datetimeFigureOut">
               <a:rPr lang="en-US" smtClean="0"/>
-              <a:t>4/20/2020</a:t>
+              <a:t>4/21/2020</a:t>
             </a:fld>
             <a:endParaRPr lang="en-US"/>
           </a:p>
@@ -410,7 +415,7 @@
           <a:p>
             <a:fld id="{03FEAA84-36EB-46DC-B83A-BE55F7C12745}" type="datetimeFigureOut">
               <a:rPr lang="en-US" smtClean="0"/>
-              <a:t>4/20/2020</a:t>
+              <a:t>4/21/2020</a:t>
             </a:fld>
             <a:endParaRPr lang="en-US"/>
           </a:p>
@@ -590,7 +595,7 @@
           <a:p>
             <a:fld id="{03FEAA84-36EB-46DC-B83A-BE55F7C12745}" type="datetimeFigureOut">
               <a:rPr lang="en-US" smtClean="0"/>
-              <a:t>4/20/2020</a:t>
+              <a:t>4/21/2020</a:t>
             </a:fld>
             <a:endParaRPr lang="en-US"/>
           </a:p>
@@ -760,7 +765,7 @@
           <a:p>
             <a:fld id="{03FEAA84-36EB-46DC-B83A-BE55F7C12745}" type="datetimeFigureOut">
               <a:rPr lang="en-US" smtClean="0"/>
-              <a:t>4/20/2020</a:t>
+              <a:t>4/21/2020</a:t>
             </a:fld>
             <a:endParaRPr lang="en-US"/>
           </a:p>
@@ -1006,7 +1011,7 @@
           <a:p>
             <a:fld id="{03FEAA84-36EB-46DC-B83A-BE55F7C12745}" type="datetimeFigureOut">
               <a:rPr lang="en-US" smtClean="0"/>
-              <a:t>4/20/2020</a:t>
+              <a:t>4/21/2020</a:t>
             </a:fld>
             <a:endParaRPr lang="en-US"/>
           </a:p>
@@ -1238,7 +1243,7 @@
           <a:p>
             <a:fld id="{03FEAA84-36EB-46DC-B83A-BE55F7C12745}" type="datetimeFigureOut">
               <a:rPr lang="en-US" smtClean="0"/>
-              <a:t>4/20/2020</a:t>
+              <a:t>4/21/2020</a:t>
             </a:fld>
             <a:endParaRPr lang="en-US"/>
           </a:p>
@@ -1605,7 +1610,7 @@
           <a:p>
             <a:fld id="{03FEAA84-36EB-46DC-B83A-BE55F7C12745}" type="datetimeFigureOut">
               <a:rPr lang="en-US" smtClean="0"/>
-              <a:t>4/20/2020</a:t>
+              <a:t>4/21/2020</a:t>
             </a:fld>
             <a:endParaRPr lang="en-US"/>
           </a:p>
@@ -1723,7 +1728,7 @@
           <a:p>
             <a:fld id="{03FEAA84-36EB-46DC-B83A-BE55F7C12745}" type="datetimeFigureOut">
               <a:rPr lang="en-US" smtClean="0"/>
-              <a:t>4/20/2020</a:t>
+              <a:t>4/21/2020</a:t>
             </a:fld>
             <a:endParaRPr lang="en-US"/>
           </a:p>
@@ -1818,7 +1823,7 @@
           <a:p>
             <a:fld id="{03FEAA84-36EB-46DC-B83A-BE55F7C12745}" type="datetimeFigureOut">
               <a:rPr lang="en-US" smtClean="0"/>
-              <a:t>4/20/2020</a:t>
+              <a:t>4/21/2020</a:t>
             </a:fld>
             <a:endParaRPr lang="en-US"/>
           </a:p>
@@ -2095,7 +2100,7 @@
           <a:p>
             <a:fld id="{03FEAA84-36EB-46DC-B83A-BE55F7C12745}" type="datetimeFigureOut">
               <a:rPr lang="en-US" smtClean="0"/>
-              <a:t>4/20/2020</a:t>
+              <a:t>4/21/2020</a:t>
             </a:fld>
             <a:endParaRPr lang="en-US"/>
           </a:p>
@@ -2348,7 +2353,7 @@
           <a:p>
             <a:fld id="{03FEAA84-36EB-46DC-B83A-BE55F7C12745}" type="datetimeFigureOut">
               <a:rPr lang="en-US" smtClean="0"/>
-              <a:t>4/20/2020</a:t>
+              <a:t>4/21/2020</a:t>
             </a:fld>
             <a:endParaRPr lang="en-US"/>
           </a:p>
@@ -2561,7 +2566,7 @@
           <a:p>
             <a:fld id="{03FEAA84-36EB-46DC-B83A-BE55F7C12745}" type="datetimeFigureOut">
               <a:rPr lang="en-US" smtClean="0"/>
-              <a:t>4/20/2020</a:t>
+              <a:t>4/21/2020</a:t>
             </a:fld>
             <a:endParaRPr lang="en-US"/>
           </a:p>
@@ -3137,28 +3142,16 @@
               <a:t>0</a:t>
             </a:r>
             <a:r>
-              <a:rPr lang="en-US" dirty="0" smtClean="0"/>
-              <a:t>9/21/27890,</a:t>
+              <a:rPr lang="en-US" smtClean="0"/>
+              <a:t>9/21/27890</a:t>
+            </a:r>
+            <a:r>
+              <a:rPr lang="el-GR" smtClean="0"/>
+              <a:t>).</a:t>
             </a:r>
             <a:r>
               <a:rPr lang="el-GR" dirty="0" smtClean="0"/>
-              <a:t>0</a:t>
-            </a:r>
-            <a:r>
-              <a:rPr lang="en-US" dirty="0" smtClean="0"/>
-              <a:t>3/</a:t>
-            </a:r>
-            <a:r>
-              <a:rPr lang="el-GR" dirty="0" smtClean="0"/>
-              <a:t>0</a:t>
-            </a:r>
-            <a:r>
-              <a:rPr lang="en-US" dirty="0" smtClean="0"/>
-              <a:t>4/2006</a:t>
-            </a:r>
-            <a:r>
-              <a:rPr lang="el-GR" dirty="0" smtClean="0"/>
-              <a:t>).Υποθέστε ότι οι έγκυρες τιμές είναι μέχρι και το έτος 2020 και οι ημερομηνίες είναι της μορφής </a:t>
+              <a:t>Υποθέστε ότι οι έγκυρες τιμές είναι μέχρι και το έτος 2020 και οι ημερομηνίες είναι της μορφής </a:t>
             </a:r>
             <a:r>
               <a:rPr lang="en-US" dirty="0" err="1" smtClean="0"/>
@@ -3178,8 +3171,29 @@
             </a:r>
             <a:r>
               <a:rPr lang="el-GR" dirty="0" smtClean="0"/>
-              <a:t> Η συνάρτηση να επιστρέφει πόσες ημερομηνίες είναι έγκυρες.</a:t>
-            </a:r>
+              <a:t> Η συνάρτηση να επιστρέφει πόσες ημερομηνίες είναι </a:t>
+            </a:r>
+            <a:r>
+              <a:rPr lang="el-GR" dirty="0" smtClean="0"/>
+              <a:t>έγκυρες.</a:t>
+            </a:r>
+            <a:r>
+              <a:rPr lang="en-US" dirty="0" smtClean="0"/>
+              <a:t>(</a:t>
+            </a:r>
+            <a:r>
+              <a:rPr lang="el-GR" dirty="0" smtClean="0"/>
+              <a:t>Υποθέστε ότι όλοι οι μήνες έχουν 30 μέρες</a:t>
+            </a:r>
+            <a:r>
+              <a:rPr lang="en-US" dirty="0" smtClean="0"/>
+              <a:t>)</a:t>
+            </a:r>
+            <a:r>
+              <a:rPr lang="el-GR" dirty="0" smtClean="0"/>
+              <a:t>.</a:t>
+            </a:r>
+            <a:endParaRPr lang="el-GR" dirty="0" smtClean="0"/>
           </a:p>
         </p:txBody>
       </p:sp>

--- a/EXTRA_EXERCISES/exercise-.pptx
+++ b/EXTRA_EXERCISES/exercise-.pptx
@@ -3171,11 +3171,7 @@
             </a:r>
             <a:r>
               <a:rPr lang="el-GR" dirty="0" smtClean="0"/>
-              <a:t> Η συνάρτηση να επιστρέφει πόσες ημερομηνίες είναι </a:t>
-            </a:r>
-            <a:r>
-              <a:rPr lang="el-GR" dirty="0" smtClean="0"/>
-              <a:t>έγκυρες.</a:t>
+              <a:t> Η συνάρτηση να επιστρέφει πόσες ημερομηνίες είναι έγκυρες.</a:t>
             </a:r>
             <a:r>
               <a:rPr lang="en-US" dirty="0" smtClean="0"/>
@@ -3193,7 +3189,6 @@
               <a:rPr lang="el-GR" dirty="0" smtClean="0"/>
               <a:t>.</a:t>
             </a:r>
-            <a:endParaRPr lang="el-GR" dirty="0" smtClean="0"/>
           </a:p>
         </p:txBody>
       </p:sp>
@@ -3244,7 +3239,9 @@
           </a:xfrm>
         </p:spPr>
         <p:txBody>
-          <a:bodyPr/>
+          <a:bodyPr>
+            <a:normAutofit fontScale="92500"/>
+          </a:bodyPr>
           <a:lstStyle/>
           <a:p>
             <a:pPr marL="0" indent="0">
@@ -3252,11 +3249,107 @@
             </a:pPr>
             <a:r>
               <a:rPr lang="el-GR" dirty="0" smtClean="0"/>
-              <a:t>ΑΣΚΗΣΗ_2.Να κατασκευαστεί πρόγραμμα το οποίο θα κατεσκαυάζει </a:t>
-            </a:r>
-            <a:r>
-              <a:rPr lang="el-GR" smtClean="0"/>
-              <a:t>ένα πίνακα 5 γραμμών και 5 στηλών δυναμικά.ο πίνακας αυτός θα περιέχει  αποτελέσματα αγώνων(1 για νίκη της έντός έδρας ομάδας,2 για νίκη της εκτός έδρας ομάδας,0 για ισοπαλία).Οι τιμές θα εισάγωνται από των χρήστη και θα πρέπει να είναι οι τρεις παραπάνω αποδεκτές τιμές.Να κατασκευαστεί συνάρτηση η οποία θα επιστρέφει πόσες νίκες πόσες ήττες και πόσες ισοπαλίες υπήρχαν στους αγώνες.Να γίνει εμφάνιση των αποτελέσματων στην κύρια συνάρτηση.</a:t>
+              <a:t>ΑΣΚΗΣΗ_2.Να κατασκευαστεί πρόγραμμα το οποίο θα </a:t>
+            </a:r>
+            <a:r>
+              <a:rPr lang="el-GR" dirty="0" smtClean="0"/>
+              <a:t>κατεσκ</a:t>
+            </a:r>
+            <a:r>
+              <a:rPr lang="el-GR" dirty="0"/>
+              <a:t>ε</a:t>
+            </a:r>
+            <a:r>
+              <a:rPr lang="el-GR" dirty="0" smtClean="0"/>
+              <a:t>υάζει </a:t>
+            </a:r>
+            <a:r>
+              <a:rPr lang="el-GR" dirty="0" smtClean="0"/>
+              <a:t>ένα πίνακα 5 γραμμών και 5 στηλών δυναμικά.ο πίνακας αυτός θα περιέχει  αποτελέσματα αγώνων(1 για νίκη της έντός έδρας ομάδας,2 για νίκη της εκτός έδρας ομάδας,0 για ισοπαλία).Οι τιμές θα εισάγωνται </a:t>
+            </a:r>
+            <a:r>
+              <a:rPr lang="el-GR" dirty="0" smtClean="0"/>
+              <a:t>τυχαία</a:t>
+            </a:r>
+            <a:r>
+              <a:rPr lang="en-US" dirty="0" smtClean="0"/>
+              <a:t>(!!</a:t>
+            </a:r>
+            <a:r>
+              <a:rPr lang="el-GR" dirty="0" smtClean="0"/>
+              <a:t>Αν γραμμή και στήλη είναι ο ίδιος αριθμός θα πρέπει να εκχωρείτε η τιμή -1 καθώς μία ομάδα δεν μπορεί να αγωνιστεί ενάντια στον εαυτό της</a:t>
+            </a:r>
+            <a:r>
+              <a:rPr lang="en-US" dirty="0" smtClean="0"/>
+              <a:t>)</a:t>
+            </a:r>
+            <a:r>
+              <a:rPr lang="el-GR" dirty="0" smtClean="0"/>
+              <a:t> </a:t>
+            </a:r>
+            <a:r>
+              <a:rPr lang="el-GR" dirty="0" smtClean="0"/>
+              <a:t>και θα πρέπει να είναι οι τρεις παραπάνω αποδεκτές </a:t>
+            </a:r>
+            <a:r>
+              <a:rPr lang="el-GR" dirty="0" smtClean="0"/>
+              <a:t>τιμές</a:t>
+            </a:r>
+            <a:r>
+              <a:rPr lang="en-US" dirty="0" smtClean="0"/>
+              <a:t>.</a:t>
+            </a:r>
+            <a:r>
+              <a:rPr lang="el-GR" dirty="0" smtClean="0"/>
+              <a:t>Επίσης να κατασκευάστει ένας πίνακας αλφαριθμητικών 5 θέσεων που θα έχει τα ονόματα 5 ομάδων (Οι τιμές να εισάγωνται από τον χρήστη)</a:t>
+            </a:r>
+            <a:r>
+              <a:rPr lang="el-GR" dirty="0" smtClean="0"/>
+              <a:t>.Να </a:t>
+            </a:r>
+            <a:r>
+              <a:rPr lang="el-GR" dirty="0" smtClean="0"/>
+              <a:t>κατασκευαστεί συνάρτηση η οποία θα επιστρέφει πόσες νίκες πόσες ήττες και πόσες </a:t>
+            </a:r>
+            <a:r>
+              <a:rPr lang="el-GR" dirty="0" smtClean="0"/>
+              <a:t>ισοπαλίες</a:t>
+            </a:r>
+            <a:r>
+              <a:rPr lang="el-GR" dirty="0"/>
+              <a:t> </a:t>
+            </a:r>
+            <a:r>
+              <a:rPr lang="el-GR" dirty="0" smtClean="0"/>
+              <a:t>είχε η κάθε ομάδα.Να κατασκευαστεί συνάρτηση η οποία σε ένα πίνακα 5 θέσεων θα αποθηκευεί τους βαθμούς κάθε ομάδας(3 για νίκη,1 για ισοπαλία).Τέλος να δημιουργηθει συνάρτηση που να εμφανίζει το ταμπλό της βαθμολογίας(</a:t>
+            </a:r>
+            <a:r>
+              <a:rPr lang="en-US" dirty="0" smtClean="0"/>
+              <a:t>rank</a:t>
+            </a:r>
+            <a:r>
+              <a:rPr lang="el-GR" dirty="0" smtClean="0"/>
+              <a:t> </a:t>
+            </a:r>
+            <a:r>
+              <a:rPr lang="en-US" dirty="0" smtClean="0"/>
+              <a:t>team points wins loses ties</a:t>
+            </a:r>
+            <a:r>
+              <a:rPr lang="el-GR" dirty="0" smtClean="0"/>
+              <a:t>)</a:t>
+            </a:r>
+            <a:r>
+              <a:rPr lang="en-US" dirty="0" smtClean="0"/>
+              <a:t>.</a:t>
+            </a:r>
+            <a:r>
+              <a:rPr lang="el-GR" dirty="0" smtClean="0"/>
+              <a:t>Οι παραπάνω διαδικασία του πρωταθλήματος θα εκτελείται όσο ο χρήστης δεν πατάει το πλήκτρο </a:t>
+            </a:r>
+            <a:r>
+              <a:rPr lang="en-US" smtClean="0"/>
+              <a:t>q.</a:t>
             </a:r>
             <a:endParaRPr lang="en-US" dirty="0"/>
           </a:p>

--- a/EXTRA_EXERCISES/exercise-.pptx
+++ b/EXTRA_EXERCISES/exercise-.pptx
@@ -245,7 +245,7 @@
           <a:p>
             <a:fld id="{03FEAA84-36EB-46DC-B83A-BE55F7C12745}" type="datetimeFigureOut">
               <a:rPr lang="en-US" smtClean="0"/>
-              <a:t>4/21/2020</a:t>
+              <a:t>4/23/2020</a:t>
             </a:fld>
             <a:endParaRPr lang="en-US"/>
           </a:p>
@@ -415,7 +415,7 @@
           <a:p>
             <a:fld id="{03FEAA84-36EB-46DC-B83A-BE55F7C12745}" type="datetimeFigureOut">
               <a:rPr lang="en-US" smtClean="0"/>
-              <a:t>4/21/2020</a:t>
+              <a:t>4/23/2020</a:t>
             </a:fld>
             <a:endParaRPr lang="en-US"/>
           </a:p>
@@ -595,7 +595,7 @@
           <a:p>
             <a:fld id="{03FEAA84-36EB-46DC-B83A-BE55F7C12745}" type="datetimeFigureOut">
               <a:rPr lang="en-US" smtClean="0"/>
-              <a:t>4/21/2020</a:t>
+              <a:t>4/23/2020</a:t>
             </a:fld>
             <a:endParaRPr lang="en-US"/>
           </a:p>
@@ -765,7 +765,7 @@
           <a:p>
             <a:fld id="{03FEAA84-36EB-46DC-B83A-BE55F7C12745}" type="datetimeFigureOut">
               <a:rPr lang="en-US" smtClean="0"/>
-              <a:t>4/21/2020</a:t>
+              <a:t>4/23/2020</a:t>
             </a:fld>
             <a:endParaRPr lang="en-US"/>
           </a:p>
@@ -1011,7 +1011,7 @@
           <a:p>
             <a:fld id="{03FEAA84-36EB-46DC-B83A-BE55F7C12745}" type="datetimeFigureOut">
               <a:rPr lang="en-US" smtClean="0"/>
-              <a:t>4/21/2020</a:t>
+              <a:t>4/23/2020</a:t>
             </a:fld>
             <a:endParaRPr lang="en-US"/>
           </a:p>
@@ -1243,7 +1243,7 @@
           <a:p>
             <a:fld id="{03FEAA84-36EB-46DC-B83A-BE55F7C12745}" type="datetimeFigureOut">
               <a:rPr lang="en-US" smtClean="0"/>
-              <a:t>4/21/2020</a:t>
+              <a:t>4/23/2020</a:t>
             </a:fld>
             <a:endParaRPr lang="en-US"/>
           </a:p>
@@ -1610,7 +1610,7 @@
           <a:p>
             <a:fld id="{03FEAA84-36EB-46DC-B83A-BE55F7C12745}" type="datetimeFigureOut">
               <a:rPr lang="en-US" smtClean="0"/>
-              <a:t>4/21/2020</a:t>
+              <a:t>4/23/2020</a:t>
             </a:fld>
             <a:endParaRPr lang="en-US"/>
           </a:p>
@@ -1728,7 +1728,7 @@
           <a:p>
             <a:fld id="{03FEAA84-36EB-46DC-B83A-BE55F7C12745}" type="datetimeFigureOut">
               <a:rPr lang="en-US" smtClean="0"/>
-              <a:t>4/21/2020</a:t>
+              <a:t>4/23/2020</a:t>
             </a:fld>
             <a:endParaRPr lang="en-US"/>
           </a:p>
@@ -1823,7 +1823,7 @@
           <a:p>
             <a:fld id="{03FEAA84-36EB-46DC-B83A-BE55F7C12745}" type="datetimeFigureOut">
               <a:rPr lang="en-US" smtClean="0"/>
-              <a:t>4/21/2020</a:t>
+              <a:t>4/23/2020</a:t>
             </a:fld>
             <a:endParaRPr lang="en-US"/>
           </a:p>
@@ -2100,7 +2100,7 @@
           <a:p>
             <a:fld id="{03FEAA84-36EB-46DC-B83A-BE55F7C12745}" type="datetimeFigureOut">
               <a:rPr lang="en-US" smtClean="0"/>
-              <a:t>4/21/2020</a:t>
+              <a:t>4/23/2020</a:t>
             </a:fld>
             <a:endParaRPr lang="en-US"/>
           </a:p>
@@ -2353,7 +2353,7 @@
           <a:p>
             <a:fld id="{03FEAA84-36EB-46DC-B83A-BE55F7C12745}" type="datetimeFigureOut">
               <a:rPr lang="en-US" smtClean="0"/>
-              <a:t>4/21/2020</a:t>
+              <a:t>4/23/2020</a:t>
             </a:fld>
             <a:endParaRPr lang="en-US"/>
           </a:p>
@@ -2566,7 +2566,7 @@
           <a:p>
             <a:fld id="{03FEAA84-36EB-46DC-B83A-BE55F7C12745}" type="datetimeFigureOut">
               <a:rPr lang="en-US" smtClean="0"/>
-              <a:t>4/21/2020</a:t>
+              <a:t>4/23/2020</a:t>
             </a:fld>
             <a:endParaRPr lang="en-US"/>
           </a:p>
@@ -3249,11 +3249,7 @@
             </a:pPr>
             <a:r>
               <a:rPr lang="el-GR" dirty="0" smtClean="0"/>
-              <a:t>ΑΣΚΗΣΗ_2.Να κατασκευαστεί πρόγραμμα το οποίο θα </a:t>
-            </a:r>
-            <a:r>
-              <a:rPr lang="el-GR" dirty="0" smtClean="0"/>
-              <a:t>κατεσκ</a:t>
+              <a:t>ΑΣΚΗΣΗ_2.Να κατασκευαστεί πρόγραμμα το οποίο θα κατεσκ</a:t>
             </a:r>
             <a:r>
               <a:rPr lang="el-GR" dirty="0"/>
@@ -3261,15 +3257,7 @@
             </a:r>
             <a:r>
               <a:rPr lang="el-GR" dirty="0" smtClean="0"/>
-              <a:t>υάζει </a:t>
-            </a:r>
-            <a:r>
-              <a:rPr lang="el-GR" dirty="0" smtClean="0"/>
-              <a:t>ένα πίνακα 5 γραμμών και 5 στηλών δυναμικά.ο πίνακας αυτός θα περιέχει  αποτελέσματα αγώνων(1 για νίκη της έντός έδρας ομάδας,2 για νίκη της εκτός έδρας ομάδας,0 για ισοπαλία).Οι τιμές θα εισάγωνται </a:t>
-            </a:r>
-            <a:r>
-              <a:rPr lang="el-GR" dirty="0" smtClean="0"/>
-              <a:t>τυχαία</a:t>
+              <a:t>υάζει ένα πίνακα 5 γραμμών και 5 στηλών δυναμικά.ο πίνακας αυτός θα περιέχει  αποτελέσματα αγώνων(1 για νίκη της έντός έδρας ομάδας,2 για νίκη της εκτός έδρας ομάδας,0 για ισοπαλία).Οι τιμές θα εισάγωνται τυχαία</a:t>
             </a:r>
             <a:r>
               <a:rPr lang="en-US" dirty="0" smtClean="0"/>
@@ -3285,15 +3273,7 @@
             </a:r>
             <a:r>
               <a:rPr lang="el-GR" dirty="0" smtClean="0"/>
-              <a:t> </a:t>
-            </a:r>
-            <a:r>
-              <a:rPr lang="el-GR" dirty="0" smtClean="0"/>
-              <a:t>και θα πρέπει να είναι οι τρεις παραπάνω αποδεκτές </a:t>
-            </a:r>
-            <a:r>
-              <a:rPr lang="el-GR" dirty="0" smtClean="0"/>
-              <a:t>τιμές</a:t>
+              <a:t> και θα πρέπει να είναι οι τρεις παραπάνω αποδεκτές τιμές</a:t>
             </a:r>
             <a:r>
               <a:rPr lang="en-US" dirty="0" smtClean="0"/>
@@ -3301,19 +3281,7 @@
             </a:r>
             <a:r>
               <a:rPr lang="el-GR" dirty="0" smtClean="0"/>
-              <a:t>Επίσης να κατασκευάστει ένας πίνακας αλφαριθμητικών 5 θέσεων που θα έχει τα ονόματα 5 ομάδων (Οι τιμές να εισάγωνται από τον χρήστη)</a:t>
-            </a:r>
-            <a:r>
-              <a:rPr lang="el-GR" dirty="0" smtClean="0"/>
-              <a:t>.Να </a:t>
-            </a:r>
-            <a:r>
-              <a:rPr lang="el-GR" dirty="0" smtClean="0"/>
-              <a:t>κατασκευαστεί συνάρτηση η οποία θα επιστρέφει πόσες νίκες πόσες ήττες και πόσες </a:t>
-            </a:r>
-            <a:r>
-              <a:rPr lang="el-GR" dirty="0" smtClean="0"/>
-              <a:t>ισοπαλίες</a:t>
+              <a:t>Επίσης να κατασκευάστει ένας πίνακας αλφαριθμητικών 5 θέσεων που θα έχει τα ονόματα 5 ομάδων (Οι τιμές να εισάγωνται από τον χρήστη).Να κατασκευαστεί συνάρτηση η οποία θα επιστρέφει πόσες νίκες πόσες ήττες και πόσες ισοπαλίες</a:t>
             </a:r>
             <a:r>
               <a:rPr lang="el-GR" dirty="0"/>
@@ -3321,7 +3289,19 @@
             </a:r>
             <a:r>
               <a:rPr lang="el-GR" dirty="0" smtClean="0"/>
-              <a:t>είχε η κάθε ομάδα.Να κατασκευαστεί συνάρτηση η οποία σε ένα πίνακα 5 θέσεων θα αποθηκευεί τους βαθμούς κάθε ομάδας(3 για νίκη,1 για ισοπαλία).Τέλος να δημιουργηθει συνάρτηση που να εμφανίζει το ταμπλό της βαθμολογίας(</a:t>
+              <a:t>είχε η κάθε ομάδα.Να κατασκευαστεί συνάρτηση η οποία σε ένα πίνακα 5 θέσεων θα αποθηκευεί τους βαθμούς κάθε ομάδας(3 για νίκη,1 για ισοπαλία).Τέλος να δημιουργηθει συνάρτηση που να </a:t>
+            </a:r>
+            <a:r>
+              <a:rPr lang="el-GR" dirty="0" smtClean="0"/>
+              <a:t>κατασκευάζει το</a:t>
+            </a:r>
+            <a:r>
+              <a:rPr lang="el-GR" dirty="0" smtClean="0"/>
+              <a:t> </a:t>
+            </a:r>
+            <a:r>
+              <a:rPr lang="el-GR" dirty="0" smtClean="0"/>
+              <a:t>το ταμπλό της βαθμολογίας(</a:t>
             </a:r>
             <a:r>
               <a:rPr lang="en-US" dirty="0" smtClean="0"/>
@@ -3333,11 +3313,15 @@
             </a:r>
             <a:r>
               <a:rPr lang="en-US" dirty="0" smtClean="0"/>
-              <a:t>team points wins loses ties</a:t>
-            </a:r>
-            <a:r>
-              <a:rPr lang="el-GR" dirty="0" smtClean="0"/>
-              <a:t>)</a:t>
+              <a:t>team </a:t>
+            </a:r>
+            <a:r>
+              <a:rPr lang="en-US" dirty="0" smtClean="0"/>
+              <a:t>points</a:t>
+            </a:r>
+            <a:r>
+              <a:rPr lang="el-GR" smtClean="0"/>
+              <a:t>),το οποίο θα εμφανίζεται στην κύρια συνάρτηση</a:t>
             </a:r>
             <a:r>
               <a:rPr lang="en-US" dirty="0" smtClean="0"/>
@@ -3348,7 +3332,7 @@
               <a:t>Οι παραπάνω διαδικασία του πρωταθλήματος θα εκτελείται όσο ο χρήστης δεν πατάει το πλήκτρο </a:t>
             </a:r>
             <a:r>
-              <a:rPr lang="en-US" smtClean="0"/>
+              <a:rPr lang="en-US" dirty="0" smtClean="0"/>
               <a:t>q.</a:t>
             </a:r>
             <a:endParaRPr lang="en-US" dirty="0"/>
